--- a/docs/Teaching/PPTX/FCC Chem 3A Expt 7a Calorimetry.pptx
+++ b/docs/Teaching/PPTX/FCC Chem 3A Expt 7a Calorimetry.pptx
@@ -10793,7 +10793,7 @@
 </file>
 
 <file path=ppt/slides/slide11.xml><?xml version="1.0" encoding="utf-8"?>
-<p:sld xmlns:a="http://schemas.openxmlformats.org/drawingml/2006/main" xmlns:r="http://schemas.openxmlformats.org/officeDocument/2006/relationships" xmlns:p="http://schemas.openxmlformats.org/presentationml/2006/main">
+<p:sld xmlns:a="http://schemas.openxmlformats.org/drawingml/2006/main" xmlns:r="http://schemas.openxmlformats.org/officeDocument/2006/relationships" xmlns:p="http://schemas.openxmlformats.org/presentationml/2006/main" show="0">
   <p:cSld>
     <p:spTree>
       <p:nvGrpSpPr>
@@ -10985,7 +10985,7 @@
 </file>
 
 <file path=ppt/slides/slide12.xml><?xml version="1.0" encoding="utf-8"?>
-<p:sld xmlns:a="http://schemas.openxmlformats.org/drawingml/2006/main" xmlns:r="http://schemas.openxmlformats.org/officeDocument/2006/relationships" xmlns:p="http://schemas.openxmlformats.org/presentationml/2006/main">
+<p:sld xmlns:a="http://schemas.openxmlformats.org/drawingml/2006/main" xmlns:r="http://schemas.openxmlformats.org/officeDocument/2006/relationships" xmlns:p="http://schemas.openxmlformats.org/presentationml/2006/main" show="0">
   <p:cSld>
     <p:spTree>
       <p:nvGrpSpPr>
@@ -11816,8 +11816,8 @@
           </a:p>
         </p:txBody>
       </p:sp>
-      <mc:AlternateContent xmlns:mc="http://schemas.openxmlformats.org/markup-compatibility/2006">
-        <mc:Choice xmlns:a14="http://schemas.microsoft.com/office/drawing/2010/main" Requires="a14">
+      <mc:AlternateContent xmlns:mc="http://schemas.openxmlformats.org/markup-compatibility/2006" xmlns:a14="http://schemas.microsoft.com/office/drawing/2010/main">
+        <mc:Choice Requires="a14">
           <p:sp>
             <p:nvSpPr>
               <p:cNvPr id="3" name="Content Placeholder 2">
@@ -12106,7 +12106,7 @@
             </p:txBody>
           </p:sp>
         </mc:Choice>
-        <mc:Fallback>
+        <mc:Fallback xmlns="">
           <p:sp>
             <p:nvSpPr>
               <p:cNvPr id="3" name="Content Placeholder 2">
